--- a/Documents/Introduction_Unity_Prepa.pptx
+++ b/Documents/Introduction_Unity_Prepa.pptx
@@ -270,7 +270,7 @@
           <a:p>
             <a:fld id="{C961CC5C-FCAE-4E58-94A5-5F63CA4BA081}" type="datetimeFigureOut">
               <a:rPr lang="LID4096" smtClean="0"/>
-              <a:t>12/31/2020</a:t>
+              <a:t>01/19/2022</a:t>
             </a:fld>
             <a:endParaRPr lang="LID4096"/>
           </a:p>
@@ -470,7 +470,7 @@
           <a:p>
             <a:fld id="{C961CC5C-FCAE-4E58-94A5-5F63CA4BA081}" type="datetimeFigureOut">
               <a:rPr lang="LID4096" smtClean="0"/>
-              <a:t>12/31/2020</a:t>
+              <a:t>01/19/2022</a:t>
             </a:fld>
             <a:endParaRPr lang="LID4096"/>
           </a:p>
@@ -680,7 +680,7 @@
           <a:p>
             <a:fld id="{C961CC5C-FCAE-4E58-94A5-5F63CA4BA081}" type="datetimeFigureOut">
               <a:rPr lang="LID4096" smtClean="0"/>
-              <a:t>12/31/2020</a:t>
+              <a:t>01/19/2022</a:t>
             </a:fld>
             <a:endParaRPr lang="LID4096"/>
           </a:p>
@@ -880,7 +880,7 @@
           <a:p>
             <a:fld id="{C961CC5C-FCAE-4E58-94A5-5F63CA4BA081}" type="datetimeFigureOut">
               <a:rPr lang="LID4096" smtClean="0"/>
-              <a:t>12/31/2020</a:t>
+              <a:t>01/19/2022</a:t>
             </a:fld>
             <a:endParaRPr lang="LID4096"/>
           </a:p>
@@ -1156,7 +1156,7 @@
           <a:p>
             <a:fld id="{C961CC5C-FCAE-4E58-94A5-5F63CA4BA081}" type="datetimeFigureOut">
               <a:rPr lang="LID4096" smtClean="0"/>
-              <a:t>12/31/2020</a:t>
+              <a:t>01/19/2022</a:t>
             </a:fld>
             <a:endParaRPr lang="LID4096"/>
           </a:p>
@@ -1424,7 +1424,7 @@
           <a:p>
             <a:fld id="{C961CC5C-FCAE-4E58-94A5-5F63CA4BA081}" type="datetimeFigureOut">
               <a:rPr lang="LID4096" smtClean="0"/>
-              <a:t>12/31/2020</a:t>
+              <a:t>01/19/2022</a:t>
             </a:fld>
             <a:endParaRPr lang="LID4096"/>
           </a:p>
@@ -1839,7 +1839,7 @@
           <a:p>
             <a:fld id="{C961CC5C-FCAE-4E58-94A5-5F63CA4BA081}" type="datetimeFigureOut">
               <a:rPr lang="LID4096" smtClean="0"/>
-              <a:t>12/31/2020</a:t>
+              <a:t>01/19/2022</a:t>
             </a:fld>
             <a:endParaRPr lang="LID4096"/>
           </a:p>
@@ -1981,7 +1981,7 @@
           <a:p>
             <a:fld id="{C961CC5C-FCAE-4E58-94A5-5F63CA4BA081}" type="datetimeFigureOut">
               <a:rPr lang="LID4096" smtClean="0"/>
-              <a:t>12/31/2020</a:t>
+              <a:t>01/19/2022</a:t>
             </a:fld>
             <a:endParaRPr lang="LID4096"/>
           </a:p>
@@ -2094,7 +2094,7 @@
           <a:p>
             <a:fld id="{C961CC5C-FCAE-4E58-94A5-5F63CA4BA081}" type="datetimeFigureOut">
               <a:rPr lang="LID4096" smtClean="0"/>
-              <a:t>12/31/2020</a:t>
+              <a:t>01/19/2022</a:t>
             </a:fld>
             <a:endParaRPr lang="LID4096"/>
           </a:p>
@@ -2407,7 +2407,7 @@
           <a:p>
             <a:fld id="{C961CC5C-FCAE-4E58-94A5-5F63CA4BA081}" type="datetimeFigureOut">
               <a:rPr lang="LID4096" smtClean="0"/>
-              <a:t>12/31/2020</a:t>
+              <a:t>01/19/2022</a:t>
             </a:fld>
             <a:endParaRPr lang="LID4096"/>
           </a:p>
@@ -2696,7 +2696,7 @@
           <a:p>
             <a:fld id="{C961CC5C-FCAE-4E58-94A5-5F63CA4BA081}" type="datetimeFigureOut">
               <a:rPr lang="LID4096" smtClean="0"/>
-              <a:t>12/31/2020</a:t>
+              <a:t>01/19/2022</a:t>
             </a:fld>
             <a:endParaRPr lang="LID4096"/>
           </a:p>
@@ -2939,7 +2939,7 @@
           <a:p>
             <a:fld id="{C961CC5C-FCAE-4E58-94A5-5F63CA4BA081}" type="datetimeFigureOut">
               <a:rPr lang="LID4096" smtClean="0"/>
-              <a:t>12/31/2020</a:t>
+              <a:t>01/19/2022</a:t>
             </a:fld>
             <a:endParaRPr lang="LID4096"/>
           </a:p>
@@ -7932,7 +7932,7 @@
         <p:spPr>
           <a:xfrm>
             <a:off x="4648200" y="2039123"/>
-            <a:ext cx="7348202" cy="3416320"/>
+            <a:ext cx="7348202" cy="3139321"/>
           </a:xfrm>
           <a:prstGeom prst="rect">
             <a:avLst/>
@@ -7950,10 +7950,10 @@
               <a:buChar char="•"/>
             </a:pPr>
             <a:r>
-              <a:rPr lang="en-US" err="1"/>
+              <a:rPr lang="en-US" dirty="0" err="1"/>
               <a:t>Rigidbody</a:t>
             </a:r>
-            <a:endParaRPr lang="en-US"/>
+            <a:endParaRPr lang="en-US" dirty="0"/>
           </a:p>
           <a:p>
             <a:pPr marL="742950" lvl="1" indent="-285750">
@@ -7961,11 +7961,11 @@
               <a:buChar char="•"/>
             </a:pPr>
             <a:r>
-              <a:rPr lang="en-US" err="1"/>
+              <a:rPr lang="en-US" dirty="0" err="1"/>
               <a:t>GetComponent</a:t>
             </a:r>
             <a:r>
-              <a:rPr lang="en-US"/>
+              <a:rPr lang="en-US" dirty="0"/>
               <a:t> et communication inter-script</a:t>
             </a:r>
           </a:p>
@@ -7975,10 +7975,10 @@
               <a:buChar char="•"/>
             </a:pPr>
             <a:r>
-              <a:rPr lang="en-US" err="1"/>
+              <a:rPr lang="en-US" dirty="0" err="1"/>
               <a:t>Gravité</a:t>
             </a:r>
-            <a:endParaRPr lang="en-US"/>
+            <a:endParaRPr lang="en-US" dirty="0"/>
           </a:p>
           <a:p>
             <a:pPr marL="285750" indent="-285750">
@@ -7986,7 +7986,7 @@
               <a:buChar char="•"/>
             </a:pPr>
             <a:r>
-              <a:rPr lang="en-US"/>
+              <a:rPr lang="en-US" dirty="0"/>
               <a:t>Collider</a:t>
             </a:r>
           </a:p>
@@ -7996,8 +7996,8 @@
               <a:buChar char="•"/>
             </a:pPr>
             <a:r>
-              <a:rPr lang="en-US"/>
-              <a:t>Sphere</a:t>
+              <a:rPr lang="en-US" dirty="0"/>
+              <a:t>Sphere / Box</a:t>
             </a:r>
           </a:p>
           <a:p>
@@ -8006,8 +8006,18 @@
               <a:buChar char="•"/>
             </a:pPr>
             <a:r>
-              <a:rPr lang="en-US"/>
-              <a:t>Box (AABB)</a:t>
+              <a:rPr lang="en-US" dirty="0"/>
+              <a:t>Mesh (polygon)</a:t>
+            </a:r>
+          </a:p>
+          <a:p>
+            <a:pPr marL="285750" indent="-285750">
+              <a:buFont typeface="Arial" panose="020B0604020202020204" pitchFamily="34" charset="0"/>
+              <a:buChar char="•"/>
+            </a:pPr>
+            <a:r>
+              <a:rPr lang="en-US" dirty="0"/>
+              <a:t>Trigger</a:t>
             </a:r>
           </a:p>
           <a:p>
@@ -8016,8 +8026,47 @@
               <a:buChar char="•"/>
             </a:pPr>
             <a:r>
-              <a:rPr lang="en-US"/>
-              <a:t>Mesh (polygon)</a:t>
+              <a:rPr lang="en-US" dirty="0"/>
+              <a:t>Unity message : </a:t>
+            </a:r>
+            <a:r>
+              <a:rPr lang="en-US" dirty="0" err="1"/>
+              <a:t>OnTriggerXXX</a:t>
+            </a:r>
+            <a:r>
+              <a:rPr lang="en-US" dirty="0"/>
+              <a:t>, </a:t>
+            </a:r>
+            <a:r>
+              <a:rPr lang="en-US" dirty="0" err="1"/>
+              <a:t>OnColliderXXX</a:t>
+            </a:r>
+            <a:endParaRPr lang="en-US" dirty="0"/>
+          </a:p>
+          <a:p>
+            <a:pPr marL="742950" lvl="1" indent="-285750">
+              <a:buFont typeface="Arial" panose="020B0604020202020204" pitchFamily="34" charset="0"/>
+              <a:buChar char="•"/>
+            </a:pPr>
+            <a:r>
+              <a:rPr lang="en-US" dirty="0"/>
+              <a:t>Modifier la </a:t>
+            </a:r>
+            <a:r>
+              <a:rPr lang="en-US" dirty="0" err="1"/>
+              <a:t>gravité</a:t>
+            </a:r>
+            <a:r>
+              <a:rPr lang="en-US" dirty="0"/>
+              <a:t> </a:t>
+            </a:r>
+            <a:r>
+              <a:rPr lang="en-US" dirty="0" err="1"/>
+              <a:t>déclenché</a:t>
+            </a:r>
+            <a:r>
+              <a:rPr lang="en-US" dirty="0"/>
+              <a:t> par un trigger</a:t>
             </a:r>
           </a:p>
           <a:p>
@@ -8026,8 +8075,8 @@
               <a:buChar char="•"/>
             </a:pPr>
             <a:r>
-              <a:rPr lang="en-US"/>
-              <a:t>Trigger</a:t>
+              <a:rPr lang="en-US" dirty="0"/>
+              <a:t>Physics layer</a:t>
             </a:r>
           </a:p>
           <a:p>
@@ -8035,66 +8084,7 @@
               <a:buFont typeface="Arial" panose="020B0604020202020204" pitchFamily="34" charset="0"/>
               <a:buChar char="•"/>
             </a:pPr>
-            <a:r>
-              <a:rPr lang="en-US"/>
-              <a:t>Unity message : </a:t>
-            </a:r>
-            <a:r>
-              <a:rPr lang="en-US" err="1"/>
-              <a:t>OnTriggerXXX</a:t>
-            </a:r>
-            <a:r>
-              <a:rPr lang="en-US"/>
-              <a:t>, </a:t>
-            </a:r>
-            <a:r>
-              <a:rPr lang="en-US" err="1"/>
-              <a:t>OnColliderXXX</a:t>
-            </a:r>
-            <a:endParaRPr lang="en-US"/>
-          </a:p>
-          <a:p>
-            <a:pPr marL="742950" lvl="1" indent="-285750">
-              <a:buFont typeface="Arial" panose="020B0604020202020204" pitchFamily="34" charset="0"/>
-              <a:buChar char="•"/>
-            </a:pPr>
-            <a:r>
-              <a:rPr lang="en-US"/>
-              <a:t>Modifier la </a:t>
-            </a:r>
-            <a:r>
-              <a:rPr lang="en-US" err="1"/>
-              <a:t>gravité</a:t>
-            </a:r>
-            <a:r>
-              <a:rPr lang="en-US"/>
-              <a:t> </a:t>
-            </a:r>
-            <a:r>
-              <a:rPr lang="en-US" err="1"/>
-              <a:t>déclenché</a:t>
-            </a:r>
-            <a:r>
-              <a:rPr lang="en-US"/>
-              <a:t> par un trigger</a:t>
-            </a:r>
-          </a:p>
-          <a:p>
-            <a:pPr marL="285750" indent="-285750">
-              <a:buFont typeface="Arial" panose="020B0604020202020204" pitchFamily="34" charset="0"/>
-              <a:buChar char="•"/>
-            </a:pPr>
-            <a:r>
-              <a:rPr lang="en-US"/>
-              <a:t>Physics layer</a:t>
-            </a:r>
-          </a:p>
-          <a:p>
-            <a:pPr marL="742950" lvl="1" indent="-285750">
-              <a:buFont typeface="Arial" panose="020B0604020202020204" pitchFamily="34" charset="0"/>
-              <a:buChar char="•"/>
-            </a:pPr>
-            <a:endParaRPr lang="en-US"/>
+            <a:endParaRPr lang="en-US" dirty="0"/>
           </a:p>
         </p:txBody>
       </p:sp>
